--- a/Documents/3_Design/Diagrams/Diagrams.pptx
+++ b/Documents/3_Design/Diagrams/Diagrams.pptx
@@ -212,7 +212,7 @@
           <a:p>
             <a:fld id="{C9F9F10A-553C-D14F-902B-7C30E23220BB}" type="datetimeFigureOut">
               <a:rPr lang="en-US" smtClean="0"/>
-              <a:t>9/14/17</a:t>
+              <a:t>9/16/17</a:t>
             </a:fld>
             <a:endParaRPr lang="en-US"/>
           </a:p>
@@ -863,7 +863,7 @@
           <a:p>
             <a:fld id="{DA46AD7C-ACAA-424D-9601-FE66EDC24345}" type="datetimeFigureOut">
               <a:rPr lang="en-US" smtClean="0"/>
-              <a:t>9/14/17</a:t>
+              <a:t>9/16/17</a:t>
             </a:fld>
             <a:endParaRPr lang="en-US"/>
           </a:p>
@@ -1033,7 +1033,7 @@
           <a:p>
             <a:fld id="{DA46AD7C-ACAA-424D-9601-FE66EDC24345}" type="datetimeFigureOut">
               <a:rPr lang="en-US" smtClean="0"/>
-              <a:t>9/14/17</a:t>
+              <a:t>9/16/17</a:t>
             </a:fld>
             <a:endParaRPr lang="en-US"/>
           </a:p>
@@ -1213,7 +1213,7 @@
           <a:p>
             <a:fld id="{DA46AD7C-ACAA-424D-9601-FE66EDC24345}" type="datetimeFigureOut">
               <a:rPr lang="en-US" smtClean="0"/>
-              <a:t>9/14/17</a:t>
+              <a:t>9/16/17</a:t>
             </a:fld>
             <a:endParaRPr lang="en-US"/>
           </a:p>
@@ -1383,7 +1383,7 @@
           <a:p>
             <a:fld id="{DA46AD7C-ACAA-424D-9601-FE66EDC24345}" type="datetimeFigureOut">
               <a:rPr lang="en-US" smtClean="0"/>
-              <a:t>9/14/17</a:t>
+              <a:t>9/16/17</a:t>
             </a:fld>
             <a:endParaRPr lang="en-US"/>
           </a:p>
@@ -1629,7 +1629,7 @@
           <a:p>
             <a:fld id="{DA46AD7C-ACAA-424D-9601-FE66EDC24345}" type="datetimeFigureOut">
               <a:rPr lang="en-US" smtClean="0"/>
-              <a:t>9/14/17</a:t>
+              <a:t>9/16/17</a:t>
             </a:fld>
             <a:endParaRPr lang="en-US"/>
           </a:p>
@@ -1861,7 +1861,7 @@
           <a:p>
             <a:fld id="{DA46AD7C-ACAA-424D-9601-FE66EDC24345}" type="datetimeFigureOut">
               <a:rPr lang="en-US" smtClean="0"/>
-              <a:t>9/14/17</a:t>
+              <a:t>9/16/17</a:t>
             </a:fld>
             <a:endParaRPr lang="en-US"/>
           </a:p>
@@ -2228,7 +2228,7 @@
           <a:p>
             <a:fld id="{DA46AD7C-ACAA-424D-9601-FE66EDC24345}" type="datetimeFigureOut">
               <a:rPr lang="en-US" smtClean="0"/>
-              <a:t>9/14/17</a:t>
+              <a:t>9/16/17</a:t>
             </a:fld>
             <a:endParaRPr lang="en-US"/>
           </a:p>
@@ -2346,7 +2346,7 @@
           <a:p>
             <a:fld id="{DA46AD7C-ACAA-424D-9601-FE66EDC24345}" type="datetimeFigureOut">
               <a:rPr lang="en-US" smtClean="0"/>
-              <a:t>9/14/17</a:t>
+              <a:t>9/16/17</a:t>
             </a:fld>
             <a:endParaRPr lang="en-US"/>
           </a:p>
@@ -2441,7 +2441,7 @@
           <a:p>
             <a:fld id="{DA46AD7C-ACAA-424D-9601-FE66EDC24345}" type="datetimeFigureOut">
               <a:rPr lang="en-US" smtClean="0"/>
-              <a:t>9/14/17</a:t>
+              <a:t>9/16/17</a:t>
             </a:fld>
             <a:endParaRPr lang="en-US"/>
           </a:p>
@@ -2718,7 +2718,7 @@
           <a:p>
             <a:fld id="{DA46AD7C-ACAA-424D-9601-FE66EDC24345}" type="datetimeFigureOut">
               <a:rPr lang="en-US" smtClean="0"/>
-              <a:t>9/14/17</a:t>
+              <a:t>9/16/17</a:t>
             </a:fld>
             <a:endParaRPr lang="en-US"/>
           </a:p>
@@ -2971,7 +2971,7 @@
           <a:p>
             <a:fld id="{DA46AD7C-ACAA-424D-9601-FE66EDC24345}" type="datetimeFigureOut">
               <a:rPr lang="en-US" smtClean="0"/>
-              <a:t>9/14/17</a:t>
+              <a:t>9/16/17</a:t>
             </a:fld>
             <a:endParaRPr lang="en-US"/>
           </a:p>
@@ -3184,7 +3184,7 @@
           <a:p>
             <a:fld id="{DA46AD7C-ACAA-424D-9601-FE66EDC24345}" type="datetimeFigureOut">
               <a:rPr lang="en-US" smtClean="0"/>
-              <a:t>9/14/17</a:t>
+              <a:t>9/16/17</a:t>
             </a:fld>
             <a:endParaRPr lang="en-US"/>
           </a:p>
@@ -4080,8 +4080,8 @@
         </p:nvSpPr>
         <p:spPr>
           <a:xfrm>
-            <a:off x="3437466" y="2514601"/>
-            <a:ext cx="5283200" cy="1854201"/>
+            <a:off x="643464" y="0"/>
+            <a:ext cx="10871204" cy="6883404"/>
           </a:xfrm>
           <a:prstGeom prst="roundRect">
             <a:avLst/>
@@ -4119,7 +4119,7 @@
           <a:p>
             <a:pPr algn="ctr"/>
             <a:r>
-              <a:rPr lang="en-US" sz="2800" b="1" dirty="0" err="1" smtClean="0">
+              <a:rPr lang="en-US" sz="2800" b="1" smtClean="0">
                 <a:ln w="0"/>
                 <a:solidFill>
                   <a:schemeClr val="tx1">
@@ -4138,7 +4138,7 @@
                 <a:ea typeface="Source Code Pro" charset="0"/>
                 <a:cs typeface="Source Code Pro" charset="0"/>
               </a:rPr>
-              <a:t>vueLogin</a:t>
+              <a:t>vueLoginDimmer</a:t>
             </a:r>
             <a:endParaRPr lang="en-US" sz="2800" b="1" dirty="0">
               <a:ln w="0"/>

--- a/Documents/3_Design/Diagrams/Diagrams.pptx
+++ b/Documents/3_Design/Diagrams/Diagrams.pptx
@@ -4080,8 +4080,8 @@
         </p:nvSpPr>
         <p:spPr>
           <a:xfrm>
-            <a:off x="643464" y="0"/>
-            <a:ext cx="10871204" cy="6883404"/>
+            <a:off x="643464" y="152400"/>
+            <a:ext cx="10871204" cy="6578604"/>
           </a:xfrm>
           <a:prstGeom prst="roundRect">
             <a:avLst/>

--- a/Documents/3_Design/Diagrams/Diagrams.pptx
+++ b/Documents/3_Design/Diagrams/Diagrams.pptx
@@ -5,7 +5,7 @@
     <p:sldMasterId id="2147483648" r:id="rId1"/>
   </p:sldMasterIdLst>
   <p:notesMasterIdLst>
-    <p:notesMasterId r:id="rId7"/>
+    <p:notesMasterId r:id="rId8"/>
   </p:notesMasterIdLst>
   <p:sldIdLst>
     <p:sldId id="257" r:id="rId2"/>
@@ -13,6 +13,7 @@
     <p:sldId id="258" r:id="rId4"/>
     <p:sldId id="260" r:id="rId5"/>
     <p:sldId id="261" r:id="rId6"/>
+    <p:sldId id="262" r:id="rId7"/>
   </p:sldIdLst>
   <p:sldSz cx="12192000" cy="6858000"/>
   <p:notesSz cx="6858000" cy="9144000"/>
@@ -212,7 +213,7 @@
           <a:p>
             <a:fld id="{C9F9F10A-553C-D14F-902B-7C30E23220BB}" type="datetimeFigureOut">
               <a:rPr lang="en-US" smtClean="0"/>
-              <a:t>9/16/17</a:t>
+              <a:t>9/20/17</a:t>
             </a:fld>
             <a:endParaRPr lang="en-US"/>
           </a:p>
@@ -863,7 +864,7 @@
           <a:p>
             <a:fld id="{DA46AD7C-ACAA-424D-9601-FE66EDC24345}" type="datetimeFigureOut">
               <a:rPr lang="en-US" smtClean="0"/>
-              <a:t>9/16/17</a:t>
+              <a:t>9/20/17</a:t>
             </a:fld>
             <a:endParaRPr lang="en-US"/>
           </a:p>
@@ -1033,7 +1034,7 @@
           <a:p>
             <a:fld id="{DA46AD7C-ACAA-424D-9601-FE66EDC24345}" type="datetimeFigureOut">
               <a:rPr lang="en-US" smtClean="0"/>
-              <a:t>9/16/17</a:t>
+              <a:t>9/20/17</a:t>
             </a:fld>
             <a:endParaRPr lang="en-US"/>
           </a:p>
@@ -1213,7 +1214,7 @@
           <a:p>
             <a:fld id="{DA46AD7C-ACAA-424D-9601-FE66EDC24345}" type="datetimeFigureOut">
               <a:rPr lang="en-US" smtClean="0"/>
-              <a:t>9/16/17</a:t>
+              <a:t>9/20/17</a:t>
             </a:fld>
             <a:endParaRPr lang="en-US"/>
           </a:p>
@@ -1383,7 +1384,7 @@
           <a:p>
             <a:fld id="{DA46AD7C-ACAA-424D-9601-FE66EDC24345}" type="datetimeFigureOut">
               <a:rPr lang="en-US" smtClean="0"/>
-              <a:t>9/16/17</a:t>
+              <a:t>9/20/17</a:t>
             </a:fld>
             <a:endParaRPr lang="en-US"/>
           </a:p>
@@ -1629,7 +1630,7 @@
           <a:p>
             <a:fld id="{DA46AD7C-ACAA-424D-9601-FE66EDC24345}" type="datetimeFigureOut">
               <a:rPr lang="en-US" smtClean="0"/>
-              <a:t>9/16/17</a:t>
+              <a:t>9/20/17</a:t>
             </a:fld>
             <a:endParaRPr lang="en-US"/>
           </a:p>
@@ -1861,7 +1862,7 @@
           <a:p>
             <a:fld id="{DA46AD7C-ACAA-424D-9601-FE66EDC24345}" type="datetimeFigureOut">
               <a:rPr lang="en-US" smtClean="0"/>
-              <a:t>9/16/17</a:t>
+              <a:t>9/20/17</a:t>
             </a:fld>
             <a:endParaRPr lang="en-US"/>
           </a:p>
@@ -2228,7 +2229,7 @@
           <a:p>
             <a:fld id="{DA46AD7C-ACAA-424D-9601-FE66EDC24345}" type="datetimeFigureOut">
               <a:rPr lang="en-US" smtClean="0"/>
-              <a:t>9/16/17</a:t>
+              <a:t>9/20/17</a:t>
             </a:fld>
             <a:endParaRPr lang="en-US"/>
           </a:p>
@@ -2346,7 +2347,7 @@
           <a:p>
             <a:fld id="{DA46AD7C-ACAA-424D-9601-FE66EDC24345}" type="datetimeFigureOut">
               <a:rPr lang="en-US" smtClean="0"/>
-              <a:t>9/16/17</a:t>
+              <a:t>9/20/17</a:t>
             </a:fld>
             <a:endParaRPr lang="en-US"/>
           </a:p>
@@ -2441,7 +2442,7 @@
           <a:p>
             <a:fld id="{DA46AD7C-ACAA-424D-9601-FE66EDC24345}" type="datetimeFigureOut">
               <a:rPr lang="en-US" smtClean="0"/>
-              <a:t>9/16/17</a:t>
+              <a:t>9/20/17</a:t>
             </a:fld>
             <a:endParaRPr lang="en-US"/>
           </a:p>
@@ -2718,7 +2719,7 @@
           <a:p>
             <a:fld id="{DA46AD7C-ACAA-424D-9601-FE66EDC24345}" type="datetimeFigureOut">
               <a:rPr lang="en-US" smtClean="0"/>
-              <a:t>9/16/17</a:t>
+              <a:t>9/20/17</a:t>
             </a:fld>
             <a:endParaRPr lang="en-US"/>
           </a:p>
@@ -2971,7 +2972,7 @@
           <a:p>
             <a:fld id="{DA46AD7C-ACAA-424D-9601-FE66EDC24345}" type="datetimeFigureOut">
               <a:rPr lang="en-US" smtClean="0"/>
-              <a:t>9/16/17</a:t>
+              <a:t>9/20/17</a:t>
             </a:fld>
             <a:endParaRPr lang="en-US"/>
           </a:p>
@@ -3184,7 +3185,7 @@
           <a:p>
             <a:fld id="{DA46AD7C-ACAA-424D-9601-FE66EDC24345}" type="datetimeFigureOut">
               <a:rPr lang="en-US" smtClean="0"/>
-              <a:t>9/16/17</a:t>
+              <a:t>9/20/17</a:t>
             </a:fld>
             <a:endParaRPr lang="en-US"/>
           </a:p>
@@ -4973,6 +4974,1134 @@
       </p:par>
     </p:tnLst>
   </p:timing>
+</p:sld>
+</file>
+
+<file path=ppt/slides/slide6.xml><?xml version="1.0" encoding="utf-8"?>
+<p:sld xmlns:a="http://schemas.openxmlformats.org/drawingml/2006/main" xmlns:r="http://schemas.openxmlformats.org/officeDocument/2006/relationships" xmlns:p="http://schemas.openxmlformats.org/presentationml/2006/main">
+  <p:cSld>
+    <p:spTree>
+      <p:nvGrpSpPr>
+        <p:cNvPr id="1" name=""/>
+        <p:cNvGrpSpPr/>
+        <p:nvPr/>
+      </p:nvGrpSpPr>
+      <p:grpSpPr>
+        <a:xfrm>
+          <a:off x="0" y="0"/>
+          <a:ext cx="0" cy="0"/>
+          <a:chOff x="0" y="0"/>
+          <a:chExt cx="0" cy="0"/>
+        </a:xfrm>
+      </p:grpSpPr>
+      <p:sp>
+        <p:nvSpPr>
+          <p:cNvPr id="4" name="Rounded Rectangle 3"/>
+          <p:cNvSpPr/>
+          <p:nvPr/>
+        </p:nvSpPr>
+        <p:spPr>
+          <a:xfrm>
+            <a:off x="386821" y="491069"/>
+            <a:ext cx="11345333" cy="6248400"/>
+          </a:xfrm>
+          <a:prstGeom prst="roundRect">
+            <a:avLst/>
+          </a:prstGeom>
+          <a:solidFill>
+            <a:schemeClr val="bg1"/>
+          </a:solidFill>
+          <a:ln>
+            <a:solidFill>
+              <a:schemeClr val="tx1"/>
+            </a:solidFill>
+          </a:ln>
+        </p:spPr>
+        <p:style>
+          <a:lnRef idx="2">
+            <a:schemeClr val="accent1">
+              <a:shade val="50000"/>
+            </a:schemeClr>
+          </a:lnRef>
+          <a:fillRef idx="1">
+            <a:schemeClr val="accent1"/>
+          </a:fillRef>
+          <a:effectRef idx="0">
+            <a:schemeClr val="accent1"/>
+          </a:effectRef>
+          <a:fontRef idx="minor">
+            <a:schemeClr val="lt1"/>
+          </a:fontRef>
+        </p:style>
+        <p:txBody>
+          <a:bodyPr rtlCol="0" anchor="ctr"/>
+          <a:lstStyle/>
+          <a:p>
+            <a:pPr algn="ctr"/>
+            <a:endParaRPr lang="en-US">
+              <a:ln>
+                <a:solidFill>
+                  <a:sysClr val="windowText" lastClr="000000"/>
+                </a:solidFill>
+              </a:ln>
+              <a:solidFill>
+                <a:schemeClr val="tx1"/>
+              </a:solidFill>
+            </a:endParaRPr>
+          </a:p>
+        </p:txBody>
+      </p:sp>
+      <p:sp>
+        <p:nvSpPr>
+          <p:cNvPr id="5" name="Rectangle 4"/>
+          <p:cNvSpPr/>
+          <p:nvPr/>
+        </p:nvSpPr>
+        <p:spPr>
+          <a:xfrm>
+            <a:off x="1049867" y="135466"/>
+            <a:ext cx="2150533" cy="643467"/>
+          </a:xfrm>
+          <a:prstGeom prst="rect">
+            <a:avLst/>
+          </a:prstGeom>
+          <a:solidFill>
+            <a:schemeClr val="bg1"/>
+          </a:solidFill>
+          <a:ln>
+            <a:solidFill>
+              <a:schemeClr val="tx1"/>
+            </a:solidFill>
+          </a:ln>
+        </p:spPr>
+        <p:style>
+          <a:lnRef idx="2">
+            <a:schemeClr val="accent1">
+              <a:shade val="50000"/>
+            </a:schemeClr>
+          </a:lnRef>
+          <a:fillRef idx="1">
+            <a:schemeClr val="accent1"/>
+          </a:fillRef>
+          <a:effectRef idx="0">
+            <a:schemeClr val="accent1"/>
+          </a:effectRef>
+          <a:fontRef idx="minor">
+            <a:schemeClr val="lt1"/>
+          </a:fontRef>
+        </p:style>
+        <p:txBody>
+          <a:bodyPr rtlCol="0" anchor="ctr"/>
+          <a:lstStyle/>
+          <a:p>
+            <a:pPr algn="ctr"/>
+            <a:r>
+              <a:rPr lang="en-US" sz="2400" dirty="0" err="1" smtClean="0">
+                <a:solidFill>
+                  <a:schemeClr val="tx1"/>
+                </a:solidFill>
+                <a:latin typeface="Apple SD Gothic Neo UltraLight" charset="-127"/>
+                <a:ea typeface="Apple SD Gothic Neo UltraLight" charset="-127"/>
+                <a:cs typeface="Apple SD Gothic Neo UltraLight" charset="-127"/>
+              </a:rPr>
+              <a:t>Index.html</a:t>
+            </a:r>
+            <a:endParaRPr lang="en-US" sz="2400" dirty="0">
+              <a:solidFill>
+                <a:schemeClr val="tx1"/>
+              </a:solidFill>
+              <a:latin typeface="Apple SD Gothic Neo UltraLight" charset="-127"/>
+              <a:ea typeface="Apple SD Gothic Neo UltraLight" charset="-127"/>
+              <a:cs typeface="Apple SD Gothic Neo UltraLight" charset="-127"/>
+            </a:endParaRPr>
+          </a:p>
+        </p:txBody>
+      </p:sp>
+      <p:sp>
+        <p:nvSpPr>
+          <p:cNvPr id="6" name="Rounded Rectangle 5"/>
+          <p:cNvSpPr/>
+          <p:nvPr/>
+        </p:nvSpPr>
+        <p:spPr>
+          <a:xfrm>
+            <a:off x="1049867" y="1261533"/>
+            <a:ext cx="1828800" cy="2167467"/>
+          </a:xfrm>
+          <a:prstGeom prst="roundRect">
+            <a:avLst/>
+          </a:prstGeom>
+          <a:solidFill>
+            <a:schemeClr val="accent1">
+              <a:lumMod val="20000"/>
+              <a:lumOff val="80000"/>
+            </a:schemeClr>
+          </a:solidFill>
+        </p:spPr>
+        <p:style>
+          <a:lnRef idx="2">
+            <a:schemeClr val="accent1">
+              <a:shade val="50000"/>
+            </a:schemeClr>
+          </a:lnRef>
+          <a:fillRef idx="1">
+            <a:schemeClr val="accent1"/>
+          </a:fillRef>
+          <a:effectRef idx="0">
+            <a:schemeClr val="accent1"/>
+          </a:effectRef>
+          <a:fontRef idx="minor">
+            <a:schemeClr val="lt1"/>
+          </a:fontRef>
+        </p:style>
+        <p:txBody>
+          <a:bodyPr rtlCol="0" anchor="ctr"/>
+          <a:lstStyle/>
+          <a:p>
+            <a:pPr algn="ctr"/>
+            <a:r>
+              <a:rPr lang="en-US" sz="2400" dirty="0" err="1">
+                <a:solidFill>
+                  <a:schemeClr val="accent1">
+                    <a:lumMod val="50000"/>
+                  </a:schemeClr>
+                </a:solidFill>
+                <a:latin typeface="Apple SD Gothic Neo UltraLight" charset="-127"/>
+                <a:ea typeface="Apple SD Gothic Neo UltraLight" charset="-127"/>
+                <a:cs typeface="Apple SD Gothic Neo UltraLight" charset="-127"/>
+              </a:rPr>
+              <a:t>v</a:t>
+            </a:r>
+            <a:r>
+              <a:rPr lang="en-US" sz="2400" dirty="0" err="1" smtClean="0">
+                <a:solidFill>
+                  <a:schemeClr val="accent1">
+                    <a:lumMod val="50000"/>
+                  </a:schemeClr>
+                </a:solidFill>
+                <a:latin typeface="Apple SD Gothic Neo UltraLight" charset="-127"/>
+                <a:ea typeface="Apple SD Gothic Neo UltraLight" charset="-127"/>
+                <a:cs typeface="Apple SD Gothic Neo UltraLight" charset="-127"/>
+              </a:rPr>
+              <a:t>ueTesting</a:t>
+            </a:r>
+            <a:r>
+              <a:rPr lang="en-US" sz="2400" dirty="0" smtClean="0">
+                <a:solidFill>
+                  <a:schemeClr val="accent1">
+                    <a:lumMod val="50000"/>
+                  </a:schemeClr>
+                </a:solidFill>
+                <a:latin typeface="Apple SD Gothic Neo UltraLight" charset="-127"/>
+                <a:ea typeface="Apple SD Gothic Neo UltraLight" charset="-127"/>
+                <a:cs typeface="Apple SD Gothic Neo UltraLight" charset="-127"/>
+              </a:rPr>
+              <a:t/>
+            </a:r>
+            <a:br>
+              <a:rPr lang="en-US" sz="2400" dirty="0" smtClean="0">
+                <a:solidFill>
+                  <a:schemeClr val="accent1">
+                    <a:lumMod val="50000"/>
+                  </a:schemeClr>
+                </a:solidFill>
+                <a:latin typeface="Apple SD Gothic Neo UltraLight" charset="-127"/>
+                <a:ea typeface="Apple SD Gothic Neo UltraLight" charset="-127"/>
+                <a:cs typeface="Apple SD Gothic Neo UltraLight" charset="-127"/>
+              </a:rPr>
+            </a:br>
+            <a:r>
+              <a:rPr lang="en-US" sz="2400" dirty="0" smtClean="0">
+                <a:solidFill>
+                  <a:schemeClr val="accent1">
+                    <a:lumMod val="50000"/>
+                  </a:schemeClr>
+                </a:solidFill>
+                <a:latin typeface="Apple SD Gothic Neo UltraLight" charset="-127"/>
+                <a:ea typeface="Apple SD Gothic Neo UltraLight" charset="-127"/>
+                <a:cs typeface="Apple SD Gothic Neo UltraLight" charset="-127"/>
+              </a:rPr>
+              <a:t>Console</a:t>
+            </a:r>
+            <a:endParaRPr lang="en-US" sz="2400" dirty="0">
+              <a:solidFill>
+                <a:schemeClr val="accent1">
+                  <a:lumMod val="50000"/>
+                </a:schemeClr>
+              </a:solidFill>
+              <a:latin typeface="Apple SD Gothic Neo UltraLight" charset="-127"/>
+              <a:ea typeface="Apple SD Gothic Neo UltraLight" charset="-127"/>
+              <a:cs typeface="Apple SD Gothic Neo UltraLight" charset="-127"/>
+            </a:endParaRPr>
+          </a:p>
+        </p:txBody>
+      </p:sp>
+      <p:sp>
+        <p:nvSpPr>
+          <p:cNvPr id="7" name="Rounded Rectangle 6"/>
+          <p:cNvSpPr/>
+          <p:nvPr/>
+        </p:nvSpPr>
+        <p:spPr>
+          <a:xfrm>
+            <a:off x="3200400" y="1752600"/>
+            <a:ext cx="1828800" cy="2167467"/>
+          </a:xfrm>
+          <a:prstGeom prst="roundRect">
+            <a:avLst/>
+          </a:prstGeom>
+          <a:solidFill>
+            <a:schemeClr val="accent2">
+              <a:lumMod val="20000"/>
+              <a:lumOff val="80000"/>
+            </a:schemeClr>
+          </a:solidFill>
+          <a:ln>
+            <a:solidFill>
+              <a:schemeClr val="accent2"/>
+            </a:solidFill>
+          </a:ln>
+        </p:spPr>
+        <p:style>
+          <a:lnRef idx="2">
+            <a:schemeClr val="accent1">
+              <a:shade val="50000"/>
+            </a:schemeClr>
+          </a:lnRef>
+          <a:fillRef idx="1">
+            <a:schemeClr val="accent1"/>
+          </a:fillRef>
+          <a:effectRef idx="0">
+            <a:schemeClr val="accent1"/>
+          </a:effectRef>
+          <a:fontRef idx="minor">
+            <a:schemeClr val="lt1"/>
+          </a:fontRef>
+        </p:style>
+        <p:txBody>
+          <a:bodyPr rtlCol="0" anchor="ctr"/>
+          <a:lstStyle/>
+          <a:p>
+            <a:pPr algn="ctr"/>
+            <a:r>
+              <a:rPr lang="en-US" sz="2400" dirty="0" err="1" smtClean="0">
+                <a:solidFill>
+                  <a:schemeClr val="accent2">
+                    <a:lumMod val="50000"/>
+                  </a:schemeClr>
+                </a:solidFill>
+                <a:latin typeface="Apple SD Gothic Neo UltraLight" charset="-127"/>
+                <a:ea typeface="Apple SD Gothic Neo UltraLight" charset="-127"/>
+                <a:cs typeface="Apple SD Gothic Neo UltraLight" charset="-127"/>
+              </a:rPr>
+              <a:t>vueMain</a:t>
+            </a:r>
+            <a:endParaRPr lang="en-US" sz="2400" dirty="0" smtClean="0">
+              <a:solidFill>
+                <a:schemeClr val="accent2">
+                  <a:lumMod val="50000"/>
+                </a:schemeClr>
+              </a:solidFill>
+              <a:latin typeface="Apple SD Gothic Neo UltraLight" charset="-127"/>
+              <a:ea typeface="Apple SD Gothic Neo UltraLight" charset="-127"/>
+              <a:cs typeface="Apple SD Gothic Neo UltraLight" charset="-127"/>
+            </a:endParaRPr>
+          </a:p>
+          <a:p>
+            <a:pPr algn="ctr"/>
+            <a:r>
+              <a:rPr lang="en-US" sz="2400" dirty="0" smtClean="0">
+                <a:solidFill>
+                  <a:schemeClr val="accent2">
+                    <a:lumMod val="50000"/>
+                  </a:schemeClr>
+                </a:solidFill>
+                <a:latin typeface="Apple SD Gothic Neo UltraLight" charset="-127"/>
+                <a:ea typeface="Apple SD Gothic Neo UltraLight" charset="-127"/>
+                <a:cs typeface="Apple SD Gothic Neo UltraLight" charset="-127"/>
+              </a:rPr>
+              <a:t>Header</a:t>
+            </a:r>
+            <a:endParaRPr lang="en-US" sz="2400" dirty="0">
+              <a:solidFill>
+                <a:schemeClr val="accent2">
+                  <a:lumMod val="50000"/>
+                </a:schemeClr>
+              </a:solidFill>
+              <a:latin typeface="Apple SD Gothic Neo UltraLight" charset="-127"/>
+              <a:ea typeface="Apple SD Gothic Neo UltraLight" charset="-127"/>
+              <a:cs typeface="Apple SD Gothic Neo UltraLight" charset="-127"/>
+            </a:endParaRPr>
+          </a:p>
+        </p:txBody>
+      </p:sp>
+      <p:sp>
+        <p:nvSpPr>
+          <p:cNvPr id="8" name="Rounded Rectangle 7"/>
+          <p:cNvSpPr/>
+          <p:nvPr/>
+        </p:nvSpPr>
+        <p:spPr>
+          <a:xfrm>
+            <a:off x="5367866" y="1447802"/>
+            <a:ext cx="2506134" cy="1735666"/>
+          </a:xfrm>
+          <a:prstGeom prst="roundRect">
+            <a:avLst/>
+          </a:prstGeom>
+          <a:solidFill>
+            <a:schemeClr val="accent4">
+              <a:lumMod val="20000"/>
+              <a:lumOff val="80000"/>
+            </a:schemeClr>
+          </a:solidFill>
+          <a:ln>
+            <a:solidFill>
+              <a:schemeClr val="accent4"/>
+            </a:solidFill>
+          </a:ln>
+        </p:spPr>
+        <p:style>
+          <a:lnRef idx="2">
+            <a:schemeClr val="accent1">
+              <a:shade val="50000"/>
+            </a:schemeClr>
+          </a:lnRef>
+          <a:fillRef idx="1">
+            <a:schemeClr val="accent1"/>
+          </a:fillRef>
+          <a:effectRef idx="0">
+            <a:schemeClr val="accent1"/>
+          </a:effectRef>
+          <a:fontRef idx="minor">
+            <a:schemeClr val="lt1"/>
+          </a:fontRef>
+        </p:style>
+        <p:txBody>
+          <a:bodyPr rtlCol="0" anchor="ctr"/>
+          <a:lstStyle/>
+          <a:p>
+            <a:pPr algn="ctr"/>
+            <a:r>
+              <a:rPr lang="en-US" sz="2400" dirty="0" err="1" smtClean="0">
+                <a:solidFill>
+                  <a:schemeClr val="accent4">
+                    <a:lumMod val="50000"/>
+                  </a:schemeClr>
+                </a:solidFill>
+                <a:latin typeface="Apple SD Gothic Neo UltraLight" charset="-127"/>
+                <a:ea typeface="Apple SD Gothic Neo UltraLight" charset="-127"/>
+                <a:cs typeface="Apple SD Gothic Neo UltraLight" charset="-127"/>
+              </a:rPr>
+              <a:t>vueCombinationCondition</a:t>
+            </a:r>
+            <a:endParaRPr lang="en-US" sz="2400" dirty="0" smtClean="0">
+              <a:solidFill>
+                <a:schemeClr val="accent4">
+                  <a:lumMod val="50000"/>
+                </a:schemeClr>
+              </a:solidFill>
+              <a:latin typeface="Apple SD Gothic Neo UltraLight" charset="-127"/>
+              <a:ea typeface="Apple SD Gothic Neo UltraLight" charset="-127"/>
+              <a:cs typeface="Apple SD Gothic Neo UltraLight" charset="-127"/>
+            </a:endParaRPr>
+          </a:p>
+        </p:txBody>
+      </p:sp>
+      <p:sp>
+        <p:nvSpPr>
+          <p:cNvPr id="9" name="Rounded Rectangle 8"/>
+          <p:cNvSpPr/>
+          <p:nvPr/>
+        </p:nvSpPr>
+        <p:spPr>
+          <a:xfrm>
+            <a:off x="6059488" y="3615269"/>
+            <a:ext cx="2506134" cy="1735666"/>
+          </a:xfrm>
+          <a:prstGeom prst="roundRect">
+            <a:avLst/>
+          </a:prstGeom>
+          <a:solidFill>
+            <a:schemeClr val="accent5">
+              <a:lumMod val="20000"/>
+              <a:lumOff val="80000"/>
+            </a:schemeClr>
+          </a:solidFill>
+          <a:ln>
+            <a:solidFill>
+              <a:schemeClr val="accent5">
+                <a:lumMod val="50000"/>
+              </a:schemeClr>
+            </a:solidFill>
+          </a:ln>
+        </p:spPr>
+        <p:style>
+          <a:lnRef idx="2">
+            <a:schemeClr val="accent1">
+              <a:shade val="50000"/>
+            </a:schemeClr>
+          </a:lnRef>
+          <a:fillRef idx="1">
+            <a:schemeClr val="accent1"/>
+          </a:fillRef>
+          <a:effectRef idx="0">
+            <a:schemeClr val="accent1"/>
+          </a:effectRef>
+          <a:fontRef idx="minor">
+            <a:schemeClr val="lt1"/>
+          </a:fontRef>
+        </p:style>
+        <p:txBody>
+          <a:bodyPr rtlCol="0" anchor="ctr"/>
+          <a:lstStyle/>
+          <a:p>
+            <a:pPr algn="ctr"/>
+            <a:r>
+              <a:rPr lang="en-US" sz="2400" dirty="0" err="1" smtClean="0">
+                <a:solidFill>
+                  <a:schemeClr val="accent5">
+                    <a:lumMod val="50000"/>
+                  </a:schemeClr>
+                </a:solidFill>
+                <a:latin typeface="Apple SD Gothic Neo UltraLight" charset="-127"/>
+                <a:ea typeface="Apple SD Gothic Neo UltraLight" charset="-127"/>
+                <a:cs typeface="Apple SD Gothic Neo UltraLight" charset="-127"/>
+              </a:rPr>
+              <a:t>vueLecture</a:t>
+            </a:r>
+            <a:endParaRPr lang="en-US" sz="2400" dirty="0" smtClean="0">
+              <a:solidFill>
+                <a:schemeClr val="accent5">
+                  <a:lumMod val="50000"/>
+                </a:schemeClr>
+              </a:solidFill>
+              <a:latin typeface="Apple SD Gothic Neo UltraLight" charset="-127"/>
+              <a:ea typeface="Apple SD Gothic Neo UltraLight" charset="-127"/>
+              <a:cs typeface="Apple SD Gothic Neo UltraLight" charset="-127"/>
+            </a:endParaRPr>
+          </a:p>
+          <a:p>
+            <a:pPr algn="ctr"/>
+            <a:r>
+              <a:rPr lang="en-US" sz="2400" dirty="0" smtClean="0">
+                <a:solidFill>
+                  <a:schemeClr val="accent5">
+                    <a:lumMod val="50000"/>
+                  </a:schemeClr>
+                </a:solidFill>
+                <a:latin typeface="Apple SD Gothic Neo UltraLight" charset="-127"/>
+                <a:ea typeface="Apple SD Gothic Neo UltraLight" charset="-127"/>
+                <a:cs typeface="Apple SD Gothic Neo UltraLight" charset="-127"/>
+              </a:rPr>
+              <a:t>Basket</a:t>
+            </a:r>
+          </a:p>
+        </p:txBody>
+      </p:sp>
+      <p:sp>
+        <p:nvSpPr>
+          <p:cNvPr id="10" name="Rounded Rectangle 9"/>
+          <p:cNvSpPr/>
+          <p:nvPr/>
+        </p:nvSpPr>
+        <p:spPr>
+          <a:xfrm>
+            <a:off x="9209088" y="778933"/>
+            <a:ext cx="1492778" cy="1735666"/>
+          </a:xfrm>
+          <a:prstGeom prst="roundRect">
+            <a:avLst/>
+          </a:prstGeom>
+          <a:solidFill>
+            <a:schemeClr val="accent6">
+              <a:lumMod val="20000"/>
+              <a:lumOff val="80000"/>
+            </a:schemeClr>
+          </a:solidFill>
+          <a:ln>
+            <a:solidFill>
+              <a:schemeClr val="accent6">
+                <a:lumMod val="50000"/>
+              </a:schemeClr>
+            </a:solidFill>
+          </a:ln>
+        </p:spPr>
+        <p:style>
+          <a:lnRef idx="2">
+            <a:schemeClr val="accent1">
+              <a:shade val="50000"/>
+            </a:schemeClr>
+          </a:lnRef>
+          <a:fillRef idx="1">
+            <a:schemeClr val="accent1"/>
+          </a:fillRef>
+          <a:effectRef idx="0">
+            <a:schemeClr val="accent1"/>
+          </a:effectRef>
+          <a:fontRef idx="minor">
+            <a:schemeClr val="lt1"/>
+          </a:fontRef>
+        </p:style>
+        <p:txBody>
+          <a:bodyPr rtlCol="0" anchor="ctr"/>
+          <a:lstStyle/>
+          <a:p>
+            <a:pPr algn="ctr"/>
+            <a:r>
+              <a:rPr lang="en-US" sz="2400" dirty="0" err="1" smtClean="0">
+                <a:solidFill>
+                  <a:schemeClr val="accent6">
+                    <a:lumMod val="50000"/>
+                  </a:schemeClr>
+                </a:solidFill>
+                <a:latin typeface="Apple SD Gothic Neo UltraLight" charset="-127"/>
+                <a:ea typeface="Apple SD Gothic Neo UltraLight" charset="-127"/>
+                <a:cs typeface="Apple SD Gothic Neo UltraLight" charset="-127"/>
+              </a:rPr>
+              <a:t>vueLogin</a:t>
+            </a:r>
+            <a:endParaRPr lang="en-US" sz="2400" dirty="0" smtClean="0">
+              <a:solidFill>
+                <a:schemeClr val="accent6">
+                  <a:lumMod val="50000"/>
+                </a:schemeClr>
+              </a:solidFill>
+              <a:latin typeface="Apple SD Gothic Neo UltraLight" charset="-127"/>
+              <a:ea typeface="Apple SD Gothic Neo UltraLight" charset="-127"/>
+              <a:cs typeface="Apple SD Gothic Neo UltraLight" charset="-127"/>
+            </a:endParaRPr>
+          </a:p>
+          <a:p>
+            <a:pPr algn="ctr"/>
+            <a:r>
+              <a:rPr lang="en-US" sz="2400" dirty="0" smtClean="0">
+                <a:solidFill>
+                  <a:schemeClr val="accent6">
+                    <a:lumMod val="50000"/>
+                  </a:schemeClr>
+                </a:solidFill>
+                <a:latin typeface="Apple SD Gothic Neo UltraLight" charset="-127"/>
+                <a:ea typeface="Apple SD Gothic Neo UltraLight" charset="-127"/>
+                <a:cs typeface="Apple SD Gothic Neo UltraLight" charset="-127"/>
+              </a:rPr>
+              <a:t>Dimmer</a:t>
+            </a:r>
+          </a:p>
+        </p:txBody>
+      </p:sp>
+      <p:sp>
+        <p:nvSpPr>
+          <p:cNvPr id="11" name="Rounded Rectangle 10"/>
+          <p:cNvSpPr/>
+          <p:nvPr/>
+        </p:nvSpPr>
+        <p:spPr>
+          <a:xfrm>
+            <a:off x="575732" y="4216401"/>
+            <a:ext cx="2506134" cy="1735666"/>
+          </a:xfrm>
+          <a:prstGeom prst="roundRect">
+            <a:avLst/>
+          </a:prstGeom>
+          <a:solidFill>
+            <a:schemeClr val="accent6">
+              <a:lumMod val="20000"/>
+              <a:lumOff val="80000"/>
+            </a:schemeClr>
+          </a:solidFill>
+          <a:ln>
+            <a:solidFill>
+              <a:schemeClr val="accent6">
+                <a:lumMod val="50000"/>
+              </a:schemeClr>
+            </a:solidFill>
+          </a:ln>
+        </p:spPr>
+        <p:style>
+          <a:lnRef idx="2">
+            <a:schemeClr val="accent1">
+              <a:shade val="50000"/>
+            </a:schemeClr>
+          </a:lnRef>
+          <a:fillRef idx="1">
+            <a:schemeClr val="accent1"/>
+          </a:fillRef>
+          <a:effectRef idx="0">
+            <a:schemeClr val="accent1"/>
+          </a:effectRef>
+          <a:fontRef idx="minor">
+            <a:schemeClr val="lt1"/>
+          </a:fontRef>
+        </p:style>
+        <p:txBody>
+          <a:bodyPr rtlCol="0" anchor="ctr"/>
+          <a:lstStyle/>
+          <a:p>
+            <a:pPr algn="ctr"/>
+            <a:r>
+              <a:rPr lang="en-US" sz="2400" dirty="0" err="1" smtClean="0">
+                <a:solidFill>
+                  <a:schemeClr val="accent6">
+                    <a:lumMod val="50000"/>
+                  </a:schemeClr>
+                </a:solidFill>
+                <a:latin typeface="Apple SD Gothic Neo UltraLight" charset="-127"/>
+                <a:ea typeface="Apple SD Gothic Neo UltraLight" charset="-127"/>
+                <a:cs typeface="Apple SD Gothic Neo UltraLight" charset="-127"/>
+              </a:rPr>
+              <a:t>vueMajorCultural</a:t>
+            </a:r>
+            <a:endParaRPr lang="en-US" sz="2400" dirty="0" smtClean="0">
+              <a:solidFill>
+                <a:schemeClr val="accent6">
+                  <a:lumMod val="50000"/>
+                </a:schemeClr>
+              </a:solidFill>
+              <a:latin typeface="Apple SD Gothic Neo UltraLight" charset="-127"/>
+              <a:ea typeface="Apple SD Gothic Neo UltraLight" charset="-127"/>
+              <a:cs typeface="Apple SD Gothic Neo UltraLight" charset="-127"/>
+            </a:endParaRPr>
+          </a:p>
+          <a:p>
+            <a:pPr algn="ctr"/>
+            <a:r>
+              <a:rPr lang="en-US" sz="2400" dirty="0" smtClean="0">
+                <a:solidFill>
+                  <a:schemeClr val="accent6">
+                    <a:lumMod val="50000"/>
+                  </a:schemeClr>
+                </a:solidFill>
+                <a:latin typeface="Apple SD Gothic Neo UltraLight" charset="-127"/>
+                <a:ea typeface="Apple SD Gothic Neo UltraLight" charset="-127"/>
+                <a:cs typeface="Apple SD Gothic Neo UltraLight" charset="-127"/>
+              </a:rPr>
+              <a:t>Buttons</a:t>
+            </a:r>
+          </a:p>
+        </p:txBody>
+      </p:sp>
+      <p:sp>
+        <p:nvSpPr>
+          <p:cNvPr id="12" name="Rounded Rectangle 11"/>
+          <p:cNvSpPr/>
+          <p:nvPr/>
+        </p:nvSpPr>
+        <p:spPr>
+          <a:xfrm>
+            <a:off x="3386664" y="5761565"/>
+            <a:ext cx="4487336" cy="795869"/>
+          </a:xfrm>
+          <a:prstGeom prst="roundRect">
+            <a:avLst/>
+          </a:prstGeom>
+          <a:solidFill>
+            <a:schemeClr val="accent1">
+              <a:lumMod val="20000"/>
+              <a:lumOff val="80000"/>
+            </a:schemeClr>
+          </a:solidFill>
+          <a:ln>
+            <a:solidFill>
+              <a:schemeClr val="accent1">
+                <a:lumMod val="50000"/>
+              </a:schemeClr>
+            </a:solidFill>
+          </a:ln>
+        </p:spPr>
+        <p:style>
+          <a:lnRef idx="2">
+            <a:schemeClr val="accent1">
+              <a:shade val="50000"/>
+            </a:schemeClr>
+          </a:lnRef>
+          <a:fillRef idx="1">
+            <a:schemeClr val="accent1"/>
+          </a:fillRef>
+          <a:effectRef idx="0">
+            <a:schemeClr val="accent1"/>
+          </a:effectRef>
+          <a:fontRef idx="minor">
+            <a:schemeClr val="lt1"/>
+          </a:fontRef>
+        </p:style>
+        <p:txBody>
+          <a:bodyPr rtlCol="0" anchor="ctr"/>
+          <a:lstStyle/>
+          <a:p>
+            <a:pPr algn="ctr"/>
+            <a:r>
+              <a:rPr lang="en-US" sz="2400" smtClean="0">
+                <a:solidFill>
+                  <a:schemeClr val="accent1">
+                    <a:lumMod val="50000"/>
+                  </a:schemeClr>
+                </a:solidFill>
+                <a:latin typeface="Apple SD Gothic Neo UltraLight" charset="-127"/>
+                <a:ea typeface="Apple SD Gothic Neo UltraLight" charset="-127"/>
+                <a:cs typeface="Apple SD Gothic Neo UltraLight" charset="-127"/>
+              </a:rPr>
+              <a:t>vueSearchBar</a:t>
+            </a:r>
+            <a:endParaRPr lang="en-US" sz="2400" dirty="0">
+              <a:solidFill>
+                <a:schemeClr val="accent1">
+                  <a:lumMod val="50000"/>
+                </a:schemeClr>
+              </a:solidFill>
+              <a:latin typeface="Apple SD Gothic Neo UltraLight" charset="-127"/>
+              <a:ea typeface="Apple SD Gothic Neo UltraLight" charset="-127"/>
+              <a:cs typeface="Apple SD Gothic Neo UltraLight" charset="-127"/>
+            </a:endParaRPr>
+          </a:p>
+        </p:txBody>
+      </p:sp>
+      <p:sp>
+        <p:nvSpPr>
+          <p:cNvPr id="13" name="Rounded Rectangle 12"/>
+          <p:cNvSpPr/>
+          <p:nvPr/>
+        </p:nvSpPr>
+        <p:spPr>
+          <a:xfrm>
+            <a:off x="9398927" y="3445934"/>
+            <a:ext cx="1753923" cy="2751669"/>
+          </a:xfrm>
+          <a:prstGeom prst="roundRect">
+            <a:avLst/>
+          </a:prstGeom>
+          <a:solidFill>
+            <a:srgbClr val="E6DAFF"/>
+          </a:solidFill>
+          <a:ln>
+            <a:solidFill>
+              <a:srgbClr val="7030A0"/>
+            </a:solidFill>
+          </a:ln>
+        </p:spPr>
+        <p:style>
+          <a:lnRef idx="2">
+            <a:schemeClr val="accent1">
+              <a:shade val="50000"/>
+            </a:schemeClr>
+          </a:lnRef>
+          <a:fillRef idx="1">
+            <a:schemeClr val="accent1"/>
+          </a:fillRef>
+          <a:effectRef idx="0">
+            <a:schemeClr val="accent1"/>
+          </a:effectRef>
+          <a:fontRef idx="minor">
+            <a:schemeClr val="lt1"/>
+          </a:fontRef>
+        </p:style>
+        <p:txBody>
+          <a:bodyPr rtlCol="0" anchor="ctr"/>
+          <a:lstStyle/>
+          <a:p>
+            <a:pPr algn="ctr"/>
+            <a:r>
+              <a:rPr lang="en-US" sz="2400" dirty="0" err="1" smtClean="0">
+                <a:solidFill>
+                  <a:srgbClr val="7030A0"/>
+                </a:solidFill>
+                <a:latin typeface="Apple SD Gothic Neo UltraLight" charset="-127"/>
+                <a:ea typeface="Apple SD Gothic Neo UltraLight" charset="-127"/>
+                <a:cs typeface="Apple SD Gothic Neo UltraLight" charset="-127"/>
+              </a:rPr>
+              <a:t>vueSubject</a:t>
+            </a:r>
+            <a:endParaRPr lang="en-US" sz="2400" dirty="0" smtClean="0">
+              <a:solidFill>
+                <a:srgbClr val="7030A0"/>
+              </a:solidFill>
+              <a:latin typeface="Apple SD Gothic Neo UltraLight" charset="-127"/>
+              <a:ea typeface="Apple SD Gothic Neo UltraLight" charset="-127"/>
+              <a:cs typeface="Apple SD Gothic Neo UltraLight" charset="-127"/>
+            </a:endParaRPr>
+          </a:p>
+          <a:p>
+            <a:pPr algn="ctr"/>
+            <a:r>
+              <a:rPr lang="en-US" sz="2400" dirty="0" smtClean="0">
+                <a:solidFill>
+                  <a:srgbClr val="7030A0"/>
+                </a:solidFill>
+                <a:latin typeface="Apple SD Gothic Neo UltraLight" charset="-127"/>
+                <a:ea typeface="Apple SD Gothic Neo UltraLight" charset="-127"/>
+                <a:cs typeface="Apple SD Gothic Neo UltraLight" charset="-127"/>
+              </a:rPr>
+              <a:t>Table</a:t>
+            </a:r>
+          </a:p>
+        </p:txBody>
+      </p:sp>
+      <p:cxnSp>
+        <p:nvCxnSpPr>
+          <p:cNvPr id="15" name="Curved Connector 14"/>
+          <p:cNvCxnSpPr>
+            <a:stCxn id="6" idx="2"/>
+            <a:endCxn id="7" idx="2"/>
+          </p:cNvCxnSpPr>
+          <p:nvPr/>
+        </p:nvCxnSpPr>
+        <p:spPr>
+          <a:xfrm rot="16200000" flipH="1">
+            <a:off x="2794000" y="2599266"/>
+            <a:ext cx="491067" cy="2150533"/>
+          </a:xfrm>
+          <a:prstGeom prst="curvedConnector3">
+            <a:avLst>
+              <a:gd name="adj1" fmla="val 146552"/>
+            </a:avLst>
+          </a:prstGeom>
+          <a:ln>
+            <a:tailEnd type="triangle"/>
+          </a:ln>
+        </p:spPr>
+        <p:style>
+          <a:lnRef idx="1">
+            <a:schemeClr val="accent1"/>
+          </a:lnRef>
+          <a:fillRef idx="0">
+            <a:schemeClr val="accent1"/>
+          </a:fillRef>
+          <a:effectRef idx="0">
+            <a:schemeClr val="accent1"/>
+          </a:effectRef>
+          <a:fontRef idx="minor">
+            <a:schemeClr val="tx1"/>
+          </a:fontRef>
+        </p:style>
+      </p:cxnSp>
+      <p:cxnSp>
+        <p:nvCxnSpPr>
+          <p:cNvPr id="17" name="Curved Connector 16"/>
+          <p:cNvCxnSpPr>
+            <a:endCxn id="11" idx="0"/>
+          </p:cNvCxnSpPr>
+          <p:nvPr/>
+        </p:nvCxnSpPr>
+        <p:spPr>
+          <a:xfrm rot="5400000">
+            <a:off x="1510639" y="3764095"/>
+            <a:ext cx="770467" cy="134145"/>
+          </a:xfrm>
+          <a:prstGeom prst="curvedConnector3">
+            <a:avLst/>
+          </a:prstGeom>
+          <a:ln>
+            <a:tailEnd type="triangle"/>
+          </a:ln>
+        </p:spPr>
+        <p:style>
+          <a:lnRef idx="1">
+            <a:schemeClr val="accent1"/>
+          </a:lnRef>
+          <a:fillRef idx="0">
+            <a:schemeClr val="accent1"/>
+          </a:fillRef>
+          <a:effectRef idx="0">
+            <a:schemeClr val="accent1"/>
+          </a:effectRef>
+          <a:fontRef idx="minor">
+            <a:schemeClr val="tx1"/>
+          </a:fontRef>
+        </p:style>
+      </p:cxnSp>
+      <p:cxnSp>
+        <p:nvCxnSpPr>
+          <p:cNvPr id="27" name="Curved Connector 26"/>
+          <p:cNvCxnSpPr>
+            <a:endCxn id="8" idx="0"/>
+          </p:cNvCxnSpPr>
+          <p:nvPr/>
+        </p:nvCxnSpPr>
+        <p:spPr>
+          <a:xfrm flipV="1">
+            <a:off x="2878667" y="1447802"/>
+            <a:ext cx="3742266" cy="867833"/>
+          </a:xfrm>
+          <a:prstGeom prst="curvedConnector4">
+            <a:avLst>
+              <a:gd name="adj1" fmla="val 6109"/>
+              <a:gd name="adj2" fmla="val 147804"/>
+            </a:avLst>
+          </a:prstGeom>
+          <a:ln>
+            <a:tailEnd type="triangle"/>
+          </a:ln>
+        </p:spPr>
+        <p:style>
+          <a:lnRef idx="1">
+            <a:schemeClr val="accent1"/>
+          </a:lnRef>
+          <a:fillRef idx="0">
+            <a:schemeClr val="accent1"/>
+          </a:fillRef>
+          <a:effectRef idx="0">
+            <a:schemeClr val="accent1"/>
+          </a:effectRef>
+          <a:fontRef idx="minor">
+            <a:schemeClr val="tx1"/>
+          </a:fontRef>
+        </p:style>
+      </p:cxnSp>
+      <p:cxnSp>
+        <p:nvCxnSpPr>
+          <p:cNvPr id="31" name="Curved Connector 30"/>
+          <p:cNvCxnSpPr>
+            <a:stCxn id="9" idx="0"/>
+            <a:endCxn id="8" idx="2"/>
+          </p:cNvCxnSpPr>
+          <p:nvPr/>
+        </p:nvCxnSpPr>
+        <p:spPr>
+          <a:xfrm rot="16200000" flipV="1">
+            <a:off x="6750844" y="3053558"/>
+            <a:ext cx="431801" cy="691622"/>
+          </a:xfrm>
+          <a:prstGeom prst="curvedConnector3">
+            <a:avLst/>
+          </a:prstGeom>
+          <a:ln>
+            <a:tailEnd type="triangle"/>
+          </a:ln>
+        </p:spPr>
+        <p:style>
+          <a:lnRef idx="1">
+            <a:schemeClr val="accent1"/>
+          </a:lnRef>
+          <a:fillRef idx="0">
+            <a:schemeClr val="accent1"/>
+          </a:fillRef>
+          <a:effectRef idx="0">
+            <a:schemeClr val="accent1"/>
+          </a:effectRef>
+          <a:fontRef idx="minor">
+            <a:schemeClr val="tx1"/>
+          </a:fontRef>
+        </p:style>
+      </p:cxnSp>
+      <p:cxnSp>
+        <p:nvCxnSpPr>
+          <p:cNvPr id="33" name="Curved Connector 32"/>
+          <p:cNvCxnSpPr>
+            <a:endCxn id="12" idx="0"/>
+          </p:cNvCxnSpPr>
+          <p:nvPr/>
+        </p:nvCxnSpPr>
+        <p:spPr>
+          <a:xfrm>
+            <a:off x="3081866" y="5084234"/>
+            <a:ext cx="2548466" cy="677331"/>
+          </a:xfrm>
+          <a:prstGeom prst="curvedConnector2">
+            <a:avLst/>
+          </a:prstGeom>
+          <a:ln>
+            <a:tailEnd type="triangle"/>
+          </a:ln>
+        </p:spPr>
+        <p:style>
+          <a:lnRef idx="1">
+            <a:schemeClr val="accent1"/>
+          </a:lnRef>
+          <a:fillRef idx="0">
+            <a:schemeClr val="accent1"/>
+          </a:fillRef>
+          <a:effectRef idx="0">
+            <a:schemeClr val="accent1"/>
+          </a:effectRef>
+          <a:fontRef idx="minor">
+            <a:schemeClr val="tx1"/>
+          </a:fontRef>
+        </p:style>
+      </p:cxnSp>
+      <p:cxnSp>
+        <p:nvCxnSpPr>
+          <p:cNvPr id="35" name="Curved Connector 34"/>
+          <p:cNvCxnSpPr>
+            <a:stCxn id="13" idx="1"/>
+          </p:cNvCxnSpPr>
+          <p:nvPr/>
+        </p:nvCxnSpPr>
+        <p:spPr>
+          <a:xfrm rot="10800000">
+            <a:off x="8565623" y="4483103"/>
+            <a:ext cx="833305" cy="338667"/>
+          </a:xfrm>
+          <a:prstGeom prst="curvedConnector3">
+            <a:avLst/>
+          </a:prstGeom>
+          <a:ln>
+            <a:headEnd type="triangle"/>
+            <a:tailEnd type="triangle"/>
+          </a:ln>
+        </p:spPr>
+        <p:style>
+          <a:lnRef idx="1">
+            <a:schemeClr val="accent1"/>
+          </a:lnRef>
+          <a:fillRef idx="0">
+            <a:schemeClr val="accent1"/>
+          </a:fillRef>
+          <a:effectRef idx="0">
+            <a:schemeClr val="accent1"/>
+          </a:effectRef>
+          <a:fontRef idx="minor">
+            <a:schemeClr val="tx1"/>
+          </a:fontRef>
+        </p:style>
+      </p:cxnSp>
+      <p:cxnSp>
+        <p:nvCxnSpPr>
+          <p:cNvPr id="37" name="Curved Connector 36"/>
+          <p:cNvCxnSpPr>
+            <a:stCxn id="7" idx="0"/>
+            <a:endCxn id="10" idx="0"/>
+          </p:cNvCxnSpPr>
+          <p:nvPr/>
+        </p:nvCxnSpPr>
+        <p:spPr>
+          <a:xfrm rot="5400000" flipH="1" flipV="1">
+            <a:off x="6548305" y="-1654571"/>
+            <a:ext cx="973667" cy="5840677"/>
+          </a:xfrm>
+          <a:prstGeom prst="curvedConnector3">
+            <a:avLst>
+              <a:gd name="adj1" fmla="val 116522"/>
+            </a:avLst>
+          </a:prstGeom>
+          <a:ln>
+            <a:tailEnd type="triangle"/>
+          </a:ln>
+        </p:spPr>
+        <p:style>
+          <a:lnRef idx="1">
+            <a:schemeClr val="accent1"/>
+          </a:lnRef>
+          <a:fillRef idx="0">
+            <a:schemeClr val="accent1"/>
+          </a:fillRef>
+          <a:effectRef idx="0">
+            <a:schemeClr val="accent1"/>
+          </a:effectRef>
+          <a:fontRef idx="minor">
+            <a:schemeClr val="tx1"/>
+          </a:fontRef>
+        </p:style>
+      </p:cxnSp>
+    </p:spTree>
+    <p:extLst>
+      <p:ext uri="{BB962C8B-B14F-4D97-AF65-F5344CB8AC3E}">
+        <p14:creationId xmlns:p14="http://schemas.microsoft.com/office/powerpoint/2010/main" val="2037859101"/>
+      </p:ext>
+    </p:extLst>
+  </p:cSld>
+  <p:clrMapOvr>
+    <a:masterClrMapping/>
+  </p:clrMapOvr>
 </p:sld>
 </file>
 
